--- a/Use of the wavelet transform on hydro-meteorological data.pptx
+++ b/Use of the wavelet transform on hydro-meteorological data.pptx
@@ -5454,8 +5454,8 @@
         </p:nvSpPr>
         <p:spPr>
           <a:xfrm>
-            <a:off x="3080022" y="5301208"/>
-            <a:ext cx="2909771" cy="369332"/>
+            <a:off x="2894876" y="5301208"/>
+            <a:ext cx="3280065" cy="369332"/>
           </a:xfrm>
           <a:prstGeom prst="rect">
             <a:avLst/>
@@ -5471,7 +5471,15 @@
             <a:pPr algn="ctr"/>
             <a:r>
               <a:rPr lang="en-US" dirty="0" smtClean="0"/>
-              <a:t>Figure 5.		 3D Mexican wavelet </a:t>
+              <a:t>Figure 5.		 3D </a:t>
+            </a:r>
+            <a:r>
+              <a:rPr lang="en-US" smtClean="0"/>
+              <a:t>Mexican hat  </a:t>
+            </a:r>
+            <a:r>
+              <a:rPr lang="en-US" dirty="0" smtClean="0"/>
+              <a:t>wavelet </a:t>
             </a:r>
             <a:endParaRPr lang="ru-RU" dirty="0"/>
           </a:p>
@@ -5745,17 +5753,21 @@
               <a:t>site </a:t>
             </a:r>
             <a:r>
-              <a:rPr lang="en-US" sz="2000" dirty="0">
-                <a:hlinkClick r:id="rId2"/>
+              <a:rPr lang="en-US" sz="2000" u="sng" dirty="0">
+                <a:latin typeface="Arial Black" pitchFamily="34" charset="0"/>
               </a:rPr>
               <a:t>http://</a:t>
             </a:r>
             <a:r>
-              <a:rPr lang="en-US" sz="2000" dirty="0" smtClean="0">
-                <a:hlinkClick r:id="rId2"/>
+              <a:rPr lang="en-US" sz="2000" u="sng" dirty="0" smtClean="0">
+                <a:latin typeface="Arial Black" pitchFamily="34" charset="0"/>
               </a:rPr>
               <a:t>mgr.imces.ru/stdpub/mgr-kamchatka/kf_gs_ras</a:t>
             </a:r>
+            <a:endParaRPr lang="en-US" sz="2000" u="sng" dirty="0" smtClean="0">
+              <a:latin typeface="Arial Black" pitchFamily="34" charset="0"/>
+              <a:hlinkClick r:id="rId2"/>
+            </a:endParaRPr>
           </a:p>
           <a:p>
             <a:pPr marL="0" indent="0">
@@ -6271,8 +6283,8 @@
           </a:p>
         </p:txBody>
       </p:sp>
-      <mc:AlternateContent xmlns:mc="http://schemas.openxmlformats.org/markup-compatibility/2006">
-        <mc:Choice xmlns:a14="http://schemas.microsoft.com/office/drawing/2010/main" Requires="a14">
+      <mc:AlternateContent xmlns:mc="http://schemas.openxmlformats.org/markup-compatibility/2006" xmlns:a14="http://schemas.microsoft.com/office/drawing/2010/main">
+        <mc:Choice Requires="a14">
           <p:sp>
             <p:nvSpPr>
               <p:cNvPr id="3" name="Объект 2"/>
@@ -6505,7 +6517,7 @@
             </p:txBody>
           </p:sp>
         </mc:Choice>
-        <mc:Fallback>
+        <mc:Fallback xmlns="">
           <p:sp>
             <p:nvSpPr>
               <p:cNvPr id="3" name="Объект 2"/>
